--- a/slides/Flow Duration Analysis - Distinguish Benign vs DDoS.pptx
+++ b/slides/Flow Duration Analysis - Distinguish Benign vs DDoS.pptx
@@ -6,14 +6,15 @@
   </p:sldMasterIdLst>
   <p:sldIdLst>
     <p:sldId id="256" r:id="rId2"/>
-    <p:sldId id="257" r:id="rId3"/>
-    <p:sldId id="258" r:id="rId4"/>
-    <p:sldId id="259" r:id="rId5"/>
+    <p:sldId id="265" r:id="rId3"/>
+    <p:sldId id="257" r:id="rId4"/>
+    <p:sldId id="258" r:id="rId5"/>
     <p:sldId id="260" r:id="rId6"/>
     <p:sldId id="261" r:id="rId7"/>
     <p:sldId id="262" r:id="rId8"/>
-    <p:sldId id="263" r:id="rId9"/>
-    <p:sldId id="264" r:id="rId10"/>
+    <p:sldId id="259" r:id="rId9"/>
+    <p:sldId id="263" r:id="rId10"/>
+    <p:sldId id="264" r:id="rId11"/>
   </p:sldIdLst>
   <p:sldSz cx="12192000" cy="6858000"/>
   <p:notesSz cx="6858000" cy="9144000"/>
@@ -112,6 +113,11 @@
       </a:defRPr>
     </a:lvl9pPr>
   </p:defaultTextStyle>
+  <p:extLst>
+    <p:ext uri="{EFAFB233-063F-42B5-8137-9DF3F51BA10A}">
+      <p15:sldGuideLst xmlns:p15="http://schemas.microsoft.com/office/powerpoint/2012/main"/>
+    </p:ext>
+  </p:extLst>
 </p:presentation>
 </file>
 
@@ -3354,7 +3360,21 @@
           <a:p>
             <a:r>
               <a:rPr lang="en-US" dirty="0"/>
-              <a:t>Flow Duration Analysis - Distinguish Benign vs DDoS Traffic</a:t>
+              <a:t>Feature Selection To</a:t>
+            </a:r>
+            <a:br>
+              <a:rPr lang="en-US" dirty="0"/>
+            </a:br>
+            <a:r>
+              <a:rPr lang="en-US" dirty="0"/>
+              <a:t>Distinguish </a:t>
+            </a:r>
+            <a:br>
+              <a:rPr lang="en-US" dirty="0"/>
+            </a:br>
+            <a:r>
+              <a:rPr lang="en-US" dirty="0"/>
+              <a:t>Benign vs DDoS Traffic</a:t>
             </a:r>
           </a:p>
         </p:txBody>
@@ -3400,6 +3420,110 @@
     <p:extLst>
       <p:ext uri="{BB962C8B-B14F-4D97-AF65-F5344CB8AC3E}">
         <p14:creationId xmlns:p14="http://schemas.microsoft.com/office/powerpoint/2010/main" val="2096734038"/>
+      </p:ext>
+    </p:extLst>
+  </p:cSld>
+  <p:clrMapOvr>
+    <a:masterClrMapping/>
+  </p:clrMapOvr>
+</p:sld>
+</file>
+
+<file path=ppt/slides/slide10.xml><?xml version="1.0" encoding="utf-8"?>
+<p:sld xmlns:a="http://schemas.openxmlformats.org/drawingml/2006/main" xmlns:r="http://schemas.openxmlformats.org/officeDocument/2006/relationships" xmlns:p="http://schemas.openxmlformats.org/presentationml/2006/main">
+  <p:cSld>
+    <p:spTree>
+      <p:nvGrpSpPr>
+        <p:cNvPr id="1" name=""/>
+        <p:cNvGrpSpPr/>
+        <p:nvPr/>
+      </p:nvGrpSpPr>
+      <p:grpSpPr>
+        <a:xfrm>
+          <a:off x="0" y="0"/>
+          <a:ext cx="0" cy="0"/>
+          <a:chOff x="0" y="0"/>
+          <a:chExt cx="0" cy="0"/>
+        </a:xfrm>
+      </p:grpSpPr>
+      <p:sp>
+        <p:nvSpPr>
+          <p:cNvPr id="2" name="Title 1">
+            <a:extLst>
+              <a:ext uri="{FF2B5EF4-FFF2-40B4-BE49-F238E27FC236}">
+                <a16:creationId xmlns:a16="http://schemas.microsoft.com/office/drawing/2014/main" id="{057524C5-6E51-6FDA-221D-BEB577566E8C}"/>
+              </a:ext>
+            </a:extLst>
+          </p:cNvPr>
+          <p:cNvSpPr>
+            <a:spLocks noGrp="1"/>
+          </p:cNvSpPr>
+          <p:nvPr>
+            <p:ph type="title"/>
+          </p:nvPr>
+        </p:nvSpPr>
+        <p:spPr/>
+        <p:txBody>
+          <a:bodyPr/>
+          <a:lstStyle/>
+          <a:p>
+            <a:r>
+              <a:rPr lang="en-US" dirty="0"/>
+              <a:t>Summary</a:t>
+            </a:r>
+          </a:p>
+        </p:txBody>
+      </p:sp>
+      <p:sp>
+        <p:nvSpPr>
+          <p:cNvPr id="3" name="Content Placeholder 2">
+            <a:extLst>
+              <a:ext uri="{FF2B5EF4-FFF2-40B4-BE49-F238E27FC236}">
+                <a16:creationId xmlns:a16="http://schemas.microsoft.com/office/drawing/2014/main" id="{E2D2724D-E9CC-C359-54A6-2014FB4433D1}"/>
+              </a:ext>
+            </a:extLst>
+          </p:cNvPr>
+          <p:cNvSpPr>
+            <a:spLocks noGrp="1"/>
+          </p:cNvSpPr>
+          <p:nvPr>
+            <p:ph idx="1"/>
+          </p:nvPr>
+        </p:nvSpPr>
+        <p:spPr/>
+        <p:txBody>
+          <a:bodyPr/>
+          <a:lstStyle/>
+          <a:p>
+            <a:r>
+              <a:rPr lang="en-US" dirty="0"/>
+              <a:t>Despite heavy skew in raw data, log‑transform + bootstrapping + permutation test allow robust inference.</a:t>
+            </a:r>
+          </a:p>
+          <a:p>
+            <a:r>
+              <a:rPr lang="en-US" dirty="0"/>
+              <a:t>Attack flows show significantly higher flow duration (≈ 10% on average).</a:t>
+            </a:r>
+          </a:p>
+          <a:p>
+            <a:r>
+              <a:rPr lang="en-US" dirty="0"/>
+              <a:t>Permutation test yields p‑value ≈ 0.002 → statistically significant.</a:t>
+            </a:r>
+          </a:p>
+          <a:p>
+            <a:r>
+              <a:rPr lang="en-US" dirty="0"/>
+              <a:t>Flow Duration is robust and discriminative feature but should be used in combination with others for best results.</a:t>
+            </a:r>
+          </a:p>
+        </p:txBody>
+      </p:sp>
+    </p:spTree>
+    <p:extLst>
+      <p:ext uri="{BB962C8B-B14F-4D97-AF65-F5344CB8AC3E}">
+        <p14:creationId xmlns:p14="http://schemas.microsoft.com/office/powerpoint/2010/main" val="3995519289"/>
       </p:ext>
     </p:extLst>
   </p:cSld>
@@ -3431,7 +3555,7 @@
           <p:cNvPr id="2" name="Title 1">
             <a:extLst>
               <a:ext uri="{FF2B5EF4-FFF2-40B4-BE49-F238E27FC236}">
-                <a16:creationId xmlns:a16="http://schemas.microsoft.com/office/drawing/2014/main" id="{1D0CD1A0-0CC8-A602-FB29-6EAE724056F5}"/>
+                <a16:creationId xmlns:a16="http://schemas.microsoft.com/office/drawing/2014/main" id="{F6578CEA-1BC4-6A92-BCA9-5CC2E32C1614}"/>
               </a:ext>
             </a:extLst>
           </p:cNvPr>
@@ -3448,78 +3572,286 @@
           <a:lstStyle/>
           <a:p>
             <a:r>
+              <a:rPr lang="en-US"/>
+              <a:t>About the dataset</a:t>
+            </a:r>
+            <a:endParaRPr lang="en-US" dirty="0"/>
+          </a:p>
+        </p:txBody>
+      </p:sp>
+      <p:sp>
+        <p:nvSpPr>
+          <p:cNvPr id="3" name="Content Placeholder 2">
+            <a:extLst>
+              <a:ext uri="{FF2B5EF4-FFF2-40B4-BE49-F238E27FC236}">
+                <a16:creationId xmlns:a16="http://schemas.microsoft.com/office/drawing/2014/main" id="{C3750726-CD62-39B5-29F1-9600958CC241}"/>
+              </a:ext>
+            </a:extLst>
+          </p:cNvPr>
+          <p:cNvSpPr>
+            <a:spLocks noGrp="1"/>
+          </p:cNvSpPr>
+          <p:nvPr>
+            <p:ph idx="1"/>
+          </p:nvPr>
+        </p:nvSpPr>
+        <p:spPr/>
+        <p:txBody>
+          <a:bodyPr>
+            <a:normAutofit/>
+          </a:bodyPr>
+          <a:lstStyle/>
+          <a:p>
+            <a:pPr marL="0" indent="0">
+              <a:buNone/>
+            </a:pPr>
+            <a:r>
+              <a:rPr lang="en-US" b="1" dirty="0"/>
+              <a:t>Dataset Name:</a:t>
+            </a:r>
+            <a:r>
               <a:rPr lang="en-US" dirty="0"/>
-              <a:t>Question &amp; Motivation</a:t>
-            </a:r>
-          </a:p>
-        </p:txBody>
-      </p:sp>
-      <p:sp>
-        <p:nvSpPr>
-          <p:cNvPr id="3" name="Content Placeholder 2">
-            <a:extLst>
-              <a:ext uri="{FF2B5EF4-FFF2-40B4-BE49-F238E27FC236}">
-                <a16:creationId xmlns:a16="http://schemas.microsoft.com/office/drawing/2014/main" id="{8CB89B9D-B532-99B6-B186-EE9D77ED9B46}"/>
-              </a:ext>
-            </a:extLst>
-          </p:cNvPr>
-          <p:cNvSpPr>
-            <a:spLocks noGrp="1"/>
-          </p:cNvSpPr>
-          <p:nvPr>
-            <p:ph idx="1"/>
-          </p:nvPr>
-        </p:nvSpPr>
-        <p:spPr/>
-        <p:txBody>
-          <a:bodyPr/>
-          <a:lstStyle/>
-          <a:p>
+              <a:t> CICDDoS2019</a:t>
+            </a:r>
+          </a:p>
+          <a:p>
+            <a:pPr marL="0" indent="0">
+              <a:buNone/>
+            </a:pPr>
+            <a:r>
+              <a:rPr lang="en-US" b="1" dirty="0"/>
+              <a:t>From:</a:t>
+            </a:r>
             <a:r>
               <a:rPr lang="en-US" dirty="0"/>
-              <a:t>Can </a:t>
-            </a:r>
+              <a:t> Canadian Institute for Cybersecurity datasets are used around the world by universities, private industry, and independent researchers.</a:t>
+            </a:r>
+          </a:p>
+          <a:p>
             <a:r>
               <a:rPr lang="en-US" b="1" dirty="0"/>
-              <a:t>Flow Duration </a:t>
+              <a:t>Features/columns</a:t>
             </a:r>
             <a:r>
               <a:rPr lang="en-US" dirty="0"/>
-              <a:t>reliably separate benign from attack traffic?</a:t>
-            </a:r>
-          </a:p>
-          <a:p>
+              <a:t>: (225745, 79) </a:t>
+            </a:r>
+          </a:p>
+          <a:p>
+            <a:r>
+              <a:rPr lang="en-US" b="1" dirty="0"/>
+              <a:t>Label categories</a:t>
+            </a:r>
             <a:r>
               <a:rPr lang="en-US" dirty="0"/>
-              <a:t>Why it matters: many traffic features are skewed; mean may mislead.</a:t>
+              <a:t>: BENIGN, DDoS</a:t>
             </a:r>
           </a:p>
           <a:p>
             <a:r>
               <a:rPr lang="en-US" b="1" dirty="0"/>
-              <a:t>Motivation</a:t>
+              <a:t>Feature for analysis: </a:t>
+            </a:r>
+            <a:r>
+              <a:rPr lang="en-US" dirty="0" err="1"/>
+              <a:t>flow_duration</a:t>
+            </a:r>
+            <a:endParaRPr lang="en-US" dirty="0"/>
+          </a:p>
+          <a:p>
+            <a:r>
+              <a:rPr lang="en-US" b="1" dirty="0"/>
+              <a:t>Dataset Link: </a:t>
             </a:r>
             <a:r>
               <a:rPr lang="en-US" dirty="0"/>
-              <a:t>: Back then in 2019, I selected features from the same dataset and didn’t have an idea which features are worth to use for detecting attacks</a:t>
-            </a:r>
-          </a:p>
-          <a:p>
-            <a:r>
-              <a:rPr lang="en-US" b="1" dirty="0"/>
-              <a:t>Goal</a:t>
-            </a:r>
-            <a:r>
-              <a:rPr lang="en-US" dirty="0"/>
-              <a:t>: test whether average flow duration differs significantly between benign and DDoS flows</a:t>
-            </a:r>
-          </a:p>
-        </p:txBody>
-      </p:sp>
+              <a:t>https://www.unb.ca/cic/datasets/ddos-2019.html</a:t>
+            </a:r>
+          </a:p>
+          <a:p>
+            <a:endParaRPr lang="en-US" dirty="0"/>
+          </a:p>
+        </p:txBody>
+      </p:sp>
+      <p:grpSp>
+        <p:nvGrpSpPr>
+          <p:cNvPr id="26" name="Group 25">
+            <a:extLst>
+              <a:ext uri="{FF2B5EF4-FFF2-40B4-BE49-F238E27FC236}">
+                <a16:creationId xmlns:a16="http://schemas.microsoft.com/office/drawing/2014/main" id="{1FD67D68-9B83-C338-8342-3348D8F22347}"/>
+              </a:ext>
+              <a:ext uri="{C183D7F6-B498-43B3-948B-1728B52AA6E4}">
+                <adec:decorative xmlns:adec="http://schemas.microsoft.com/office/drawing/2017/decorative" val="1"/>
+              </a:ext>
+            </a:extLst>
+          </p:cNvPr>
+          <p:cNvGrpSpPr>
+            <a:grpSpLocks noGrp="1" noUngrp="1" noRot="1" noChangeAspect="1" noMove="1" noResize="1"/>
+          </p:cNvGrpSpPr>
+          <p:nvPr>
+            <p:extLst>
+              <p:ext uri="{386F3935-93C4-4BCD-93E2-E3B085C9AB24}">
+                <p16:designElem xmlns:p16="http://schemas.microsoft.com/office/powerpoint/2015/main" val="1"/>
+              </p:ext>
+            </p:extLst>
+          </p:nvPr>
+        </p:nvGrpSpPr>
+        <p:grpSpPr>
+          <a:xfrm>
+            <a:off x="-5025" y="6737718"/>
+            <a:ext cx="12207200" cy="123363"/>
+            <a:chOff x="-5025" y="6737718"/>
+            <a:chExt cx="12207200" cy="123363"/>
+          </a:xfrm>
+        </p:grpSpPr>
+        <p:sp>
+          <p:nvSpPr>
+            <p:cNvPr id="27" name="Rectangle 26">
+              <a:extLst>
+                <a:ext uri="{FF2B5EF4-FFF2-40B4-BE49-F238E27FC236}">
+                  <a16:creationId xmlns:a16="http://schemas.microsoft.com/office/drawing/2014/main" id="{1E397F34-6B84-0D3B-0F29-B1D134B3B885}"/>
+                </a:ext>
+                <a:ext uri="{C183D7F6-B498-43B3-948B-1728B52AA6E4}">
+                  <adec:decorative xmlns:adec="http://schemas.microsoft.com/office/drawing/2017/decorative" val="1"/>
+                </a:ext>
+              </a:extLst>
+            </p:cNvPr>
+            <p:cNvSpPr/>
+            <p:nvPr>
+              <p:extLst>
+                <p:ext uri="{386F3935-93C4-4BCD-93E2-E3B085C9AB24}">
+                  <p16:designElem xmlns:p16="http://schemas.microsoft.com/office/powerpoint/2015/main" val="1"/>
+                </p:ext>
+              </p:extLst>
+            </p:nvPr>
+          </p:nvSpPr>
+          <p:spPr>
+            <a:xfrm rot="5400000" flipH="1">
+              <a:off x="6036894" y="695800"/>
+              <a:ext cx="123362" cy="12207199"/>
+            </a:xfrm>
+            <a:prstGeom prst="rect">
+              <a:avLst/>
+            </a:prstGeom>
+            <a:gradFill>
+              <a:gsLst>
+                <a:gs pos="0">
+                  <a:schemeClr val="accent5"/>
+                </a:gs>
+                <a:gs pos="100000">
+                  <a:schemeClr val="accent2"/>
+                </a:gs>
+              </a:gsLst>
+              <a:lin ang="1800000" scaled="0"/>
+            </a:gradFill>
+            <a:ln>
+              <a:noFill/>
+            </a:ln>
+          </p:spPr>
+          <p:style>
+            <a:lnRef idx="2">
+              <a:schemeClr val="accent1">
+                <a:shade val="50000"/>
+              </a:schemeClr>
+            </a:lnRef>
+            <a:fillRef idx="1">
+              <a:schemeClr val="accent1"/>
+            </a:fillRef>
+            <a:effectRef idx="0">
+              <a:schemeClr val="accent1"/>
+            </a:effectRef>
+            <a:fontRef idx="minor">
+              <a:schemeClr val="lt1"/>
+            </a:fontRef>
+          </p:style>
+          <p:txBody>
+            <a:bodyPr rtlCol="0" anchor="ctr"/>
+            <a:lstStyle/>
+            <a:p>
+              <a:pPr algn="ctr"/>
+              <a:endParaRPr lang="en-US"/>
+            </a:p>
+          </p:txBody>
+        </p:sp>
+        <p:sp>
+          <p:nvSpPr>
+            <p:cNvPr id="28" name="Rectangle 27">
+              <a:extLst>
+                <a:ext uri="{FF2B5EF4-FFF2-40B4-BE49-F238E27FC236}">
+                  <a16:creationId xmlns:a16="http://schemas.microsoft.com/office/drawing/2014/main" id="{9BD98075-BFC1-BE9C-7FB7-23FE55E43393}"/>
+                </a:ext>
+                <a:ext uri="{C183D7F6-B498-43B3-948B-1728B52AA6E4}">
+                  <adec:decorative xmlns:adec="http://schemas.microsoft.com/office/drawing/2017/decorative" val="1"/>
+                </a:ext>
+              </a:extLst>
+            </p:cNvPr>
+            <p:cNvSpPr/>
+            <p:nvPr>
+              <p:extLst>
+                <p:ext uri="{386F3935-93C4-4BCD-93E2-E3B085C9AB24}">
+                  <p16:designElem xmlns:p16="http://schemas.microsoft.com/office/powerpoint/2015/main" val="1"/>
+                </p:ext>
+              </p:extLst>
+            </p:nvPr>
+          </p:nvSpPr>
+          <p:spPr>
+            <a:xfrm rot="16200000">
+              <a:off x="9176406" y="3835311"/>
+              <a:ext cx="123362" cy="5928176"/>
+            </a:xfrm>
+            <a:prstGeom prst="rect">
+              <a:avLst/>
+            </a:prstGeom>
+            <a:gradFill>
+              <a:gsLst>
+                <a:gs pos="19000">
+                  <a:schemeClr val="accent5">
+                    <a:alpha val="0"/>
+                  </a:schemeClr>
+                </a:gs>
+                <a:gs pos="100000">
+                  <a:schemeClr val="accent5">
+                    <a:lumMod val="60000"/>
+                    <a:lumOff val="40000"/>
+                  </a:schemeClr>
+                </a:gs>
+              </a:gsLst>
+              <a:lin ang="600000" scaled="0"/>
+            </a:gradFill>
+            <a:ln>
+              <a:noFill/>
+            </a:ln>
+          </p:spPr>
+          <p:style>
+            <a:lnRef idx="2">
+              <a:schemeClr val="accent1">
+                <a:shade val="50000"/>
+              </a:schemeClr>
+            </a:lnRef>
+            <a:fillRef idx="1">
+              <a:schemeClr val="accent1"/>
+            </a:fillRef>
+            <a:effectRef idx="0">
+              <a:schemeClr val="accent1"/>
+            </a:effectRef>
+            <a:fontRef idx="minor">
+              <a:schemeClr val="lt1"/>
+            </a:fontRef>
+          </p:style>
+          <p:txBody>
+            <a:bodyPr rtlCol="0" anchor="ctr"/>
+            <a:lstStyle/>
+            <a:p>
+              <a:pPr algn="ctr"/>
+              <a:endParaRPr lang="en-US"/>
+            </a:p>
+          </p:txBody>
+        </p:sp>
+      </p:grpSp>
     </p:spTree>
     <p:extLst>
       <p:ext uri="{BB962C8B-B14F-4D97-AF65-F5344CB8AC3E}">
-        <p14:creationId xmlns:p14="http://schemas.microsoft.com/office/powerpoint/2010/main" val="2020807950"/>
+        <p14:creationId xmlns:p14="http://schemas.microsoft.com/office/powerpoint/2010/main" val="1691617400"/>
       </p:ext>
     </p:extLst>
   </p:cSld>
@@ -3551,7 +3883,7 @@
           <p:cNvPr id="2" name="Title 1">
             <a:extLst>
               <a:ext uri="{FF2B5EF4-FFF2-40B4-BE49-F238E27FC236}">
-                <a16:creationId xmlns:a16="http://schemas.microsoft.com/office/drawing/2014/main" id="{62CE1FB5-BC72-7B0A-9695-DF3181F85852}"/>
+                <a16:creationId xmlns:a16="http://schemas.microsoft.com/office/drawing/2014/main" id="{1D0CD1A0-0CC8-A602-FB29-6EAE724056F5}"/>
               </a:ext>
             </a:extLst>
           </p:cNvPr>
@@ -3569,7 +3901,7 @@
           <a:p>
             <a:r>
               <a:rPr lang="en-US" dirty="0"/>
-              <a:t>Dataset, Cleaning and Preprocessing</a:t>
+              <a:t>Question &amp; Motivation</a:t>
             </a:r>
           </a:p>
         </p:txBody>
@@ -3579,7 +3911,7 @@
           <p:cNvPr id="3" name="Content Placeholder 2">
             <a:extLst>
               <a:ext uri="{FF2B5EF4-FFF2-40B4-BE49-F238E27FC236}">
-                <a16:creationId xmlns:a16="http://schemas.microsoft.com/office/drawing/2014/main" id="{FBF8A0FE-8E20-5086-F9D8-C267124810E6}"/>
+                <a16:creationId xmlns:a16="http://schemas.microsoft.com/office/drawing/2014/main" id="{8CB89B9D-B532-99B6-B186-EE9D77ED9B46}"/>
               </a:ext>
             </a:extLst>
           </p:cNvPr>
@@ -3592,83 +3924,50 @@
         </p:nvSpPr>
         <p:spPr/>
         <p:txBody>
-          <a:bodyPr>
-            <a:normAutofit/>
-          </a:bodyPr>
+          <a:bodyPr/>
           <a:lstStyle/>
           <a:p>
             <a:r>
               <a:rPr lang="en-US" dirty="0"/>
-              <a:t>Dataset name </a:t>
-            </a:r>
-            <a:r>
-              <a:rPr lang="en-US" sz="2400" dirty="0"/>
-              <a:t>(e.g. CICIDS2019)</a:t>
-            </a:r>
-          </a:p>
-          <a:p>
+              <a:t>Can </a:t>
+            </a:r>
             <a:r>
               <a:rPr lang="en-US" b="1" dirty="0"/>
-              <a:t>Label categories</a:t>
+              <a:t>Flow Duration </a:t>
             </a:r>
             <a:r>
               <a:rPr lang="en-US" dirty="0"/>
-              <a:t>: BENIGN, DDoS</a:t>
+              <a:t>reliably separate benign from attack traffic?</a:t>
             </a:r>
           </a:p>
           <a:p>
             <a:r>
               <a:rPr lang="en-US" b="1" dirty="0"/>
-              <a:t>Feature used</a:t>
+              <a:t>Why it matters</a:t>
             </a:r>
             <a:r>
               <a:rPr lang="en-US" dirty="0"/>
-              <a:t>: </a:t>
-            </a:r>
-            <a:r>
-              <a:rPr lang="en-US" sz="2400" dirty="0"/>
-              <a:t>Flow Duration - duration of each packet from source to destination</a:t>
+              <a:t>: many traffic features are skewed; mean may mislead.</a:t>
             </a:r>
           </a:p>
           <a:p>
             <a:r>
               <a:rPr lang="en-US" b="1" dirty="0"/>
-              <a:t>Cleaning and preprocessing</a:t>
+              <a:t>Motivation</a:t>
             </a:r>
             <a:r>
               <a:rPr lang="en-US" dirty="0"/>
-              <a:t>: </a:t>
-            </a:r>
-          </a:p>
-          <a:p>
-            <a:r>
-              <a:rPr lang="en-US" sz="2400" dirty="0"/>
-              <a:t>replaced Infinites values with </a:t>
-            </a:r>
-            <a:r>
-              <a:rPr lang="en-US" sz="2400" dirty="0" err="1"/>
-              <a:t>NaN</a:t>
-            </a:r>
-            <a:endParaRPr lang="en-US" sz="2400" dirty="0"/>
-          </a:p>
-          <a:p>
-            <a:r>
-              <a:rPr lang="en-US" sz="2400" dirty="0"/>
-              <a:t>removed </a:t>
-            </a:r>
-            <a:r>
-              <a:rPr lang="en-US" sz="2400" dirty="0" err="1"/>
-              <a:t>NaN</a:t>
-            </a:r>
-            <a:r>
-              <a:rPr lang="en-US" sz="2400" dirty="0"/>
-              <a:t> and replace them with the median of the affected columns</a:t>
-            </a:r>
-          </a:p>
-          <a:p>
-            <a:r>
-              <a:rPr lang="en-US" sz="2400" dirty="0"/>
-              <a:t>Use log‑transformation before computing sample means to mitigate heavy skew</a:t>
+              <a:t>: Back then in 2019, I selected features from the same dataset and didn’t have an idea which features are worth to use for detecting attacks</a:t>
+            </a:r>
+          </a:p>
+          <a:p>
+            <a:r>
+              <a:rPr lang="en-US" b="1" dirty="0"/>
+              <a:t>Goal</a:t>
+            </a:r>
+            <a:r>
+              <a:rPr lang="en-US" dirty="0"/>
+              <a:t>: test whether average flow duration differs significantly between benign and DDoS flows</a:t>
             </a:r>
           </a:p>
         </p:txBody>
@@ -3676,7 +3975,7 @@
     </p:spTree>
     <p:extLst>
       <p:ext uri="{BB962C8B-B14F-4D97-AF65-F5344CB8AC3E}">
-        <p14:creationId xmlns:p14="http://schemas.microsoft.com/office/powerpoint/2010/main" val="3152487754"/>
+        <p14:creationId xmlns:p14="http://schemas.microsoft.com/office/powerpoint/2010/main" val="2020807950"/>
       </p:ext>
     </p:extLst>
   </p:cSld>
@@ -3689,6 +3988,14 @@
 <file path=ppt/slides/slide4.xml><?xml version="1.0" encoding="utf-8"?>
 <p:sld xmlns:a="http://schemas.openxmlformats.org/drawingml/2006/main" xmlns:r="http://schemas.openxmlformats.org/officeDocument/2006/relationships" xmlns:p="http://schemas.openxmlformats.org/presentationml/2006/main">
   <p:cSld>
+    <p:bg>
+      <p:bgPr>
+        <a:solidFill>
+          <a:schemeClr val="bg1"/>
+        </a:solidFill>
+        <a:effectLst/>
+      </p:bgPr>
+    </p:bg>
     <p:spTree>
       <p:nvGrpSpPr>
         <p:cNvPr id="1" name=""/>
@@ -3703,12 +4010,72 @@
           <a:chExt cx="0" cy="0"/>
         </a:xfrm>
       </p:grpSpPr>
+      <p:sp useBgFill="1">
+        <p:nvSpPr>
+          <p:cNvPr id="14" name="Rectangle 13">
+            <a:extLst>
+              <a:ext uri="{FF2B5EF4-FFF2-40B4-BE49-F238E27FC236}">
+                <a16:creationId xmlns:a16="http://schemas.microsoft.com/office/drawing/2014/main" id="{352BEC0E-22F8-46D0-9632-375DB541B06C}"/>
+              </a:ext>
+              <a:ext uri="{C183D7F6-B498-43B3-948B-1728B52AA6E4}">
+                <adec:decorative xmlns:adec="http://schemas.microsoft.com/office/drawing/2017/decorative" val="1"/>
+              </a:ext>
+            </a:extLst>
+          </p:cNvPr>
+          <p:cNvSpPr>
+            <a:spLocks noGrp="1" noRot="1" noChangeAspect="1" noMove="1" noResize="1" noEditPoints="1" noAdjustHandles="1" noChangeArrowheads="1" noChangeShapeType="1" noTextEdit="1"/>
+          </p:cNvSpPr>
+          <p:nvPr>
+            <p:extLst>
+              <p:ext uri="{386F3935-93C4-4BCD-93E2-E3B085C9AB24}">
+                <p16:designElem xmlns:p16="http://schemas.microsoft.com/office/powerpoint/2015/main" val="1"/>
+              </p:ext>
+            </p:extLst>
+          </p:nvPr>
+        </p:nvSpPr>
+        <p:spPr>
+          <a:xfrm>
+            <a:off x="0" y="0"/>
+            <a:ext cx="12188952" cy="6858000"/>
+          </a:xfrm>
+          <a:prstGeom prst="rect">
+            <a:avLst/>
+          </a:prstGeom>
+          <a:ln>
+            <a:noFill/>
+          </a:ln>
+        </p:spPr>
+        <p:style>
+          <a:lnRef idx="2">
+            <a:schemeClr val="accent1">
+              <a:shade val="50000"/>
+            </a:schemeClr>
+          </a:lnRef>
+          <a:fillRef idx="1">
+            <a:schemeClr val="accent1"/>
+          </a:fillRef>
+          <a:effectRef idx="0">
+            <a:schemeClr val="accent1"/>
+          </a:effectRef>
+          <a:fontRef idx="minor">
+            <a:schemeClr val="lt1"/>
+          </a:fontRef>
+        </p:style>
+        <p:txBody>
+          <a:bodyPr rtlCol="0" anchor="ctr"/>
+          <a:lstStyle/>
+          <a:p>
+            <a:pPr algn="ctr"/>
+            <a:endParaRPr lang="en-US"/>
+          </a:p>
+        </p:txBody>
+      </p:sp>
       <p:sp>
         <p:nvSpPr>
           <p:cNvPr id="2" name="Title 1">
             <a:extLst>
               <a:ext uri="{FF2B5EF4-FFF2-40B4-BE49-F238E27FC236}">
-                <a16:creationId xmlns:a16="http://schemas.microsoft.com/office/drawing/2014/main" id="{5CCB02F7-D75D-1F2E-5026-3746590FEEF7}"/>
+                <a16:creationId xmlns:a16="http://schemas.microsoft.com/office/drawing/2014/main" id="{62CE1FB5-BC72-7B0A-9695-DF3181F85852}"/>
               </a:ext>
             </a:extLst>
           </p:cNvPr>
@@ -3719,15 +4086,365 @@
             <p:ph type="title"/>
           </p:nvPr>
         </p:nvSpPr>
-        <p:spPr/>
-        <p:txBody>
-          <a:bodyPr/>
-          <a:lstStyle/>
-          <a:p>
-            <a:r>
-              <a:rPr lang="en-US" dirty="0"/>
-              <a:t>Hypothesis</a:t>
-            </a:r>
+        <p:spPr>
+          <a:xfrm>
+            <a:off x="640080" y="329184"/>
+            <a:ext cx="6894576" cy="1783080"/>
+          </a:xfrm>
+        </p:spPr>
+        <p:txBody>
+          <a:bodyPr anchor="b">
+            <a:normAutofit/>
+          </a:bodyPr>
+          <a:lstStyle/>
+          <a:p>
+            <a:r>
+              <a:rPr lang="en-US" sz="5400"/>
+              <a:t>Cleaning and Preprocessing</a:t>
+            </a:r>
+          </a:p>
+        </p:txBody>
+      </p:sp>
+      <p:sp>
+        <p:nvSpPr>
+          <p:cNvPr id="16" name="sketch line">
+            <a:extLst>
+              <a:ext uri="{FF2B5EF4-FFF2-40B4-BE49-F238E27FC236}">
+                <a16:creationId xmlns:a16="http://schemas.microsoft.com/office/drawing/2014/main" id="{3FCFB1DE-0B7E-48CC-BA90-B2AB0889F9D6}"/>
+              </a:ext>
+              <a:ext uri="{C183D7F6-B498-43B3-948B-1728B52AA6E4}">
+                <adec:decorative xmlns:adec="http://schemas.microsoft.com/office/drawing/2017/decorative" val="1"/>
+              </a:ext>
+            </a:extLst>
+          </p:cNvPr>
+          <p:cNvSpPr>
+            <a:spLocks noGrp="1" noRot="1" noChangeAspect="1" noMove="1" noResize="1" noEditPoints="1" noAdjustHandles="1" noChangeArrowheads="1" noChangeShapeType="1" noTextEdit="1"/>
+          </p:cNvSpPr>
+          <p:nvPr>
+            <p:extLst>
+              <p:ext uri="{386F3935-93C4-4BCD-93E2-E3B085C9AB24}">
+                <p16:designElem xmlns:p16="http://schemas.microsoft.com/office/powerpoint/2015/main" val="1"/>
+              </p:ext>
+            </p:extLst>
+          </p:nvPr>
+        </p:nvSpPr>
+        <p:spPr>
+          <a:xfrm>
+            <a:off x="758952" y="2395728"/>
+            <a:ext cx="4243589" cy="18288"/>
+          </a:xfrm>
+          <a:custGeom>
+            <a:avLst/>
+            <a:gdLst>
+              <a:gd name="csX0" fmla="*/ 0 w 4243589"/>
+              <a:gd name="csY0" fmla="*/ 0 h 18288"/>
+              <a:gd name="csX1" fmla="*/ 478919 w 4243589"/>
+              <a:gd name="csY1" fmla="*/ 0 h 18288"/>
+              <a:gd name="csX2" fmla="*/ 957839 w 4243589"/>
+              <a:gd name="csY2" fmla="*/ 0 h 18288"/>
+              <a:gd name="csX3" fmla="*/ 1521630 w 4243589"/>
+              <a:gd name="csY3" fmla="*/ 0 h 18288"/>
+              <a:gd name="csX4" fmla="*/ 2212729 w 4243589"/>
+              <a:gd name="csY4" fmla="*/ 0 h 18288"/>
+              <a:gd name="csX5" fmla="*/ 2734084 w 4243589"/>
+              <a:gd name="csY5" fmla="*/ 0 h 18288"/>
+              <a:gd name="csX6" fmla="*/ 3255439 w 4243589"/>
+              <a:gd name="csY6" fmla="*/ 0 h 18288"/>
+              <a:gd name="csX7" fmla="*/ 4243589 w 4243589"/>
+              <a:gd name="csY7" fmla="*/ 0 h 18288"/>
+              <a:gd name="csX8" fmla="*/ 4243589 w 4243589"/>
+              <a:gd name="csY8" fmla="*/ 18288 h 18288"/>
+              <a:gd name="csX9" fmla="*/ 3594926 w 4243589"/>
+              <a:gd name="csY9" fmla="*/ 18288 h 18288"/>
+              <a:gd name="csX10" fmla="*/ 3073571 w 4243589"/>
+              <a:gd name="csY10" fmla="*/ 18288 h 18288"/>
+              <a:gd name="csX11" fmla="*/ 2552216 w 4243589"/>
+              <a:gd name="csY11" fmla="*/ 18288 h 18288"/>
+              <a:gd name="csX12" fmla="*/ 1903553 w 4243589"/>
+              <a:gd name="csY12" fmla="*/ 18288 h 18288"/>
+              <a:gd name="csX13" fmla="*/ 1212454 w 4243589"/>
+              <a:gd name="csY13" fmla="*/ 18288 h 18288"/>
+              <a:gd name="csX14" fmla="*/ 733535 w 4243589"/>
+              <a:gd name="csY14" fmla="*/ 18288 h 18288"/>
+              <a:gd name="csX15" fmla="*/ 0 w 4243589"/>
+              <a:gd name="csY15" fmla="*/ 18288 h 18288"/>
+              <a:gd name="csX16" fmla="*/ 0 w 4243589"/>
+              <a:gd name="csY16" fmla="*/ 0 h 18288"/>
+            </a:gdLst>
+            <a:ahLst/>
+            <a:cxnLst>
+              <a:cxn ang="0">
+                <a:pos x="csX0" y="csY0"/>
+              </a:cxn>
+              <a:cxn ang="0">
+                <a:pos x="csX1" y="csY1"/>
+              </a:cxn>
+              <a:cxn ang="0">
+                <a:pos x="csX2" y="csY2"/>
+              </a:cxn>
+              <a:cxn ang="0">
+                <a:pos x="csX3" y="csY3"/>
+              </a:cxn>
+              <a:cxn ang="0">
+                <a:pos x="csX4" y="csY4"/>
+              </a:cxn>
+              <a:cxn ang="0">
+                <a:pos x="csX5" y="csY5"/>
+              </a:cxn>
+              <a:cxn ang="0">
+                <a:pos x="csX6" y="csY6"/>
+              </a:cxn>
+              <a:cxn ang="0">
+                <a:pos x="csX7" y="csY7"/>
+              </a:cxn>
+              <a:cxn ang="0">
+                <a:pos x="csX8" y="csY8"/>
+              </a:cxn>
+              <a:cxn ang="0">
+                <a:pos x="csX9" y="csY9"/>
+              </a:cxn>
+              <a:cxn ang="0">
+                <a:pos x="csX10" y="csY10"/>
+              </a:cxn>
+              <a:cxn ang="0">
+                <a:pos x="csX11" y="csY11"/>
+              </a:cxn>
+              <a:cxn ang="0">
+                <a:pos x="csX12" y="csY12"/>
+              </a:cxn>
+              <a:cxn ang="0">
+                <a:pos x="csX13" y="csY13"/>
+              </a:cxn>
+              <a:cxn ang="0">
+                <a:pos x="csX14" y="csY14"/>
+              </a:cxn>
+              <a:cxn ang="0">
+                <a:pos x="csX15" y="csY15"/>
+              </a:cxn>
+              <a:cxn ang="0">
+                <a:pos x="csX16" y="csY16"/>
+              </a:cxn>
+            </a:cxnLst>
+            <a:rect l="l" t="t" r="r" b="b"/>
+            <a:pathLst>
+              <a:path w="4243589" h="18288" fill="none" extrusionOk="0">
+                <a:moveTo>
+                  <a:pt x="0" y="0"/>
+                </a:moveTo>
+                <a:cubicBezTo>
+                  <a:pt x="213395" y="-21006"/>
+                  <a:pt x="307421" y="-18116"/>
+                  <a:pt x="478919" y="0"/>
+                </a:cubicBezTo>
+                <a:cubicBezTo>
+                  <a:pt x="650417" y="18116"/>
+                  <a:pt x="831092" y="-21237"/>
+                  <a:pt x="957839" y="0"/>
+                </a:cubicBezTo>
+                <a:cubicBezTo>
+                  <a:pt x="1084586" y="21237"/>
+                  <a:pt x="1301682" y="25124"/>
+                  <a:pt x="1521630" y="0"/>
+                </a:cubicBezTo>
+                <a:cubicBezTo>
+                  <a:pt x="1741578" y="-25124"/>
+                  <a:pt x="1970269" y="-29139"/>
+                  <a:pt x="2212729" y="0"/>
+                </a:cubicBezTo>
+                <a:cubicBezTo>
+                  <a:pt x="2455189" y="29139"/>
+                  <a:pt x="2558847" y="-4796"/>
+                  <a:pt x="2734084" y="0"/>
+                </a:cubicBezTo>
+                <a:cubicBezTo>
+                  <a:pt x="2909321" y="4796"/>
+                  <a:pt x="3097217" y="-13409"/>
+                  <a:pt x="3255439" y="0"/>
+                </a:cubicBezTo>
+                <a:cubicBezTo>
+                  <a:pt x="3413662" y="13409"/>
+                  <a:pt x="3979999" y="-10121"/>
+                  <a:pt x="4243589" y="0"/>
+                </a:cubicBezTo>
+                <a:cubicBezTo>
+                  <a:pt x="4244484" y="8974"/>
+                  <a:pt x="4243043" y="9359"/>
+                  <a:pt x="4243589" y="18288"/>
+                </a:cubicBezTo>
+                <a:cubicBezTo>
+                  <a:pt x="4058777" y="31246"/>
+                  <a:pt x="3910348" y="3158"/>
+                  <a:pt x="3594926" y="18288"/>
+                </a:cubicBezTo>
+                <a:cubicBezTo>
+                  <a:pt x="3279504" y="33418"/>
+                  <a:pt x="3319955" y="-3977"/>
+                  <a:pt x="3073571" y="18288"/>
+                </a:cubicBezTo>
+                <a:cubicBezTo>
+                  <a:pt x="2827187" y="40553"/>
+                  <a:pt x="2767387" y="1863"/>
+                  <a:pt x="2552216" y="18288"/>
+                </a:cubicBezTo>
+                <a:cubicBezTo>
+                  <a:pt x="2337046" y="34713"/>
+                  <a:pt x="2181871" y="19527"/>
+                  <a:pt x="1903553" y="18288"/>
+                </a:cubicBezTo>
+                <a:cubicBezTo>
+                  <a:pt x="1625235" y="17049"/>
+                  <a:pt x="1557672" y="24174"/>
+                  <a:pt x="1212454" y="18288"/>
+                </a:cubicBezTo>
+                <a:cubicBezTo>
+                  <a:pt x="867236" y="12402"/>
+                  <a:pt x="874382" y="15627"/>
+                  <a:pt x="733535" y="18288"/>
+                </a:cubicBezTo>
+                <a:cubicBezTo>
+                  <a:pt x="592688" y="20949"/>
+                  <a:pt x="183477" y="14753"/>
+                  <a:pt x="0" y="18288"/>
+                </a:cubicBezTo>
+                <a:cubicBezTo>
+                  <a:pt x="-229" y="14222"/>
+                  <a:pt x="509" y="5816"/>
+                  <a:pt x="0" y="0"/>
+                </a:cubicBezTo>
+                <a:close/>
+              </a:path>
+              <a:path w="4243589" h="18288" stroke="0" extrusionOk="0">
+                <a:moveTo>
+                  <a:pt x="0" y="0"/>
+                </a:moveTo>
+                <a:cubicBezTo>
+                  <a:pt x="143690" y="16630"/>
+                  <a:pt x="266667" y="14847"/>
+                  <a:pt x="521355" y="0"/>
+                </a:cubicBezTo>
+                <a:cubicBezTo>
+                  <a:pt x="776043" y="-14847"/>
+                  <a:pt x="814491" y="-17363"/>
+                  <a:pt x="1000275" y="0"/>
+                </a:cubicBezTo>
+                <a:cubicBezTo>
+                  <a:pt x="1186059" y="17363"/>
+                  <a:pt x="1352504" y="-23507"/>
+                  <a:pt x="1521630" y="0"/>
+                </a:cubicBezTo>
+                <a:cubicBezTo>
+                  <a:pt x="1690756" y="23507"/>
+                  <a:pt x="1889525" y="5871"/>
+                  <a:pt x="2127857" y="0"/>
+                </a:cubicBezTo>
+                <a:cubicBezTo>
+                  <a:pt x="2366189" y="-5871"/>
+                  <a:pt x="2620628" y="-27997"/>
+                  <a:pt x="2776520" y="0"/>
+                </a:cubicBezTo>
+                <a:cubicBezTo>
+                  <a:pt x="2932412" y="27997"/>
+                  <a:pt x="3131683" y="-25073"/>
+                  <a:pt x="3467618" y="0"/>
+                </a:cubicBezTo>
+                <a:cubicBezTo>
+                  <a:pt x="3803553" y="25073"/>
+                  <a:pt x="4017371" y="3071"/>
+                  <a:pt x="4243589" y="0"/>
+                </a:cubicBezTo>
+                <a:cubicBezTo>
+                  <a:pt x="4243134" y="6162"/>
+                  <a:pt x="4243492" y="11775"/>
+                  <a:pt x="4243589" y="18288"/>
+                </a:cubicBezTo>
+                <a:cubicBezTo>
+                  <a:pt x="4017834" y="-5779"/>
+                  <a:pt x="3834586" y="13376"/>
+                  <a:pt x="3594926" y="18288"/>
+                </a:cubicBezTo>
+                <a:cubicBezTo>
+                  <a:pt x="3355266" y="23200"/>
+                  <a:pt x="3204179" y="2869"/>
+                  <a:pt x="2903827" y="18288"/>
+                </a:cubicBezTo>
+                <a:cubicBezTo>
+                  <a:pt x="2603475" y="33707"/>
+                  <a:pt x="2526187" y="46187"/>
+                  <a:pt x="2212729" y="18288"/>
+                </a:cubicBezTo>
+                <a:cubicBezTo>
+                  <a:pt x="1899271" y="-9611"/>
+                  <a:pt x="1966289" y="29692"/>
+                  <a:pt x="1733809" y="18288"/>
+                </a:cubicBezTo>
+                <a:cubicBezTo>
+                  <a:pt x="1501329" y="6884"/>
+                  <a:pt x="1343612" y="12492"/>
+                  <a:pt x="1085146" y="18288"/>
+                </a:cubicBezTo>
+                <a:cubicBezTo>
+                  <a:pt x="826680" y="24084"/>
+                  <a:pt x="778184" y="35607"/>
+                  <a:pt x="521355" y="18288"/>
+                </a:cubicBezTo>
+                <a:cubicBezTo>
+                  <a:pt x="264526" y="969"/>
+                  <a:pt x="120277" y="4268"/>
+                  <a:pt x="0" y="18288"/>
+                </a:cubicBezTo>
+                <a:cubicBezTo>
+                  <a:pt x="766" y="10800"/>
+                  <a:pt x="-457" y="8180"/>
+                  <a:pt x="0" y="0"/>
+                </a:cubicBezTo>
+                <a:close/>
+              </a:path>
+            </a:pathLst>
+          </a:custGeom>
+          <a:solidFill>
+            <a:schemeClr val="accent2"/>
+          </a:solidFill>
+          <a:ln w="41275" cap="rnd">
+            <a:solidFill>
+              <a:schemeClr val="accent2"/>
+            </a:solidFill>
+            <a:round/>
+            <a:extLst>
+              <a:ext uri="{C807C97D-BFC1-408E-A445-0C87EB9F89A2}">
+                <ask:lineSketchStyleProps xmlns:ask="http://schemas.microsoft.com/office/drawing/2018/sketchyshapes" sd="2727557108">
+                  <a:prstGeom prst="rect">
+                    <a:avLst/>
+                  </a:prstGeom>
+                  <ask:type>
+                    <ask:lineSketchFreehand/>
+                  </ask:type>
+                </ask:lineSketchStyleProps>
+              </a:ext>
+            </a:extLst>
+          </a:ln>
+        </p:spPr>
+        <p:style>
+          <a:lnRef idx="2">
+            <a:schemeClr val="accent1">
+              <a:shade val="50000"/>
+            </a:schemeClr>
+          </a:lnRef>
+          <a:fillRef idx="1">
+            <a:schemeClr val="accent1"/>
+          </a:fillRef>
+          <a:effectRef idx="0">
+            <a:schemeClr val="accent1"/>
+          </a:effectRef>
+          <a:fontRef idx="minor">
+            <a:schemeClr val="lt1"/>
+          </a:fontRef>
+        </p:style>
+        <p:txBody>
+          <a:bodyPr rtlCol="0" anchor="ctr"/>
+          <a:lstStyle/>
+          <a:p>
+            <a:pPr algn="ctr"/>
+            <a:endParaRPr lang="en-US"/>
           </a:p>
         </p:txBody>
       </p:sp>
@@ -3736,7 +4453,7 @@
           <p:cNvPr id="3" name="Content Placeholder 2">
             <a:extLst>
               <a:ext uri="{FF2B5EF4-FFF2-40B4-BE49-F238E27FC236}">
-                <a16:creationId xmlns:a16="http://schemas.microsoft.com/office/drawing/2014/main" id="{6E1EBE27-3917-37FB-B1E2-3EB6ACD1986A}"/>
+                <a16:creationId xmlns:a16="http://schemas.microsoft.com/office/drawing/2014/main" id="{FBF8A0FE-8E20-5086-F9D8-C267124810E6}"/>
               </a:ext>
             </a:extLst>
           </p:cNvPr>
@@ -3747,41 +4464,123 @@
             <p:ph idx="1"/>
           </p:nvPr>
         </p:nvSpPr>
-        <p:spPr/>
-        <p:txBody>
-          <a:bodyPr/>
-          <a:lstStyle/>
-          <a:p>
-            <a:pPr>
-              <a:lnSpc>
-                <a:spcPct val="150000"/>
-              </a:lnSpc>
-            </a:pPr>
-            <a:r>
-              <a:rPr lang="en-US" b="1" dirty="0"/>
-              <a:t>Null (H₀)</a:t>
-            </a:r>
-            <a:r>
-              <a:rPr lang="en-US" dirty="0"/>
-              <a:t>: No difference in average flow duration between benign and attack flows (label irrelevant)</a:t>
-            </a:r>
-          </a:p>
-          <a:p>
-            <a:r>
-              <a:rPr lang="en-US" b="1" dirty="0"/>
-              <a:t>Alternative (H₁)</a:t>
-            </a:r>
-            <a:r>
-              <a:rPr lang="en-US" dirty="0"/>
-              <a:t>: Attack flows have higher average flow duration than benign → Flow Duration is discriminative</a:t>
-            </a:r>
-          </a:p>
-        </p:txBody>
-      </p:sp>
+        <p:spPr>
+          <a:xfrm>
+            <a:off x="640080" y="2706624"/>
+            <a:ext cx="6894576" cy="3483864"/>
+          </a:xfrm>
+        </p:spPr>
+        <p:txBody>
+          <a:bodyPr>
+            <a:normAutofit/>
+          </a:bodyPr>
+          <a:lstStyle/>
+          <a:p>
+            <a:r>
+              <a:rPr lang="en-US" sz="2200" dirty="0"/>
+              <a:t>Data was highly skewed</a:t>
+            </a:r>
+          </a:p>
+          <a:p>
+            <a:r>
+              <a:rPr lang="en-US" sz="2200" dirty="0"/>
+              <a:t>Replaced Infinites values with </a:t>
+            </a:r>
+            <a:r>
+              <a:rPr lang="en-US" sz="2200" dirty="0" err="1"/>
+              <a:t>NaN</a:t>
+            </a:r>
+            <a:endParaRPr lang="en-US" sz="2200" dirty="0"/>
+          </a:p>
+          <a:p>
+            <a:r>
+              <a:rPr lang="en-US" sz="2200" dirty="0"/>
+              <a:t>Removed </a:t>
+            </a:r>
+            <a:r>
+              <a:rPr lang="en-US" sz="2200" dirty="0" err="1"/>
+              <a:t>NaN</a:t>
+            </a:r>
+            <a:r>
+              <a:rPr lang="en-US" sz="2200" dirty="0"/>
+              <a:t> and replace them with the median of the affected columns</a:t>
+            </a:r>
+          </a:p>
+          <a:p>
+            <a:r>
+              <a:rPr lang="en-US" sz="2200" dirty="0"/>
+              <a:t>Use log‑transformation before computing sample means to mitigate heavy skew</a:t>
+            </a:r>
+          </a:p>
+          <a:p>
+            <a:endParaRPr lang="en-US" sz="2200" dirty="0"/>
+          </a:p>
+        </p:txBody>
+      </p:sp>
+      <p:pic>
+        <p:nvPicPr>
+          <p:cNvPr id="5" name="Picture 4" descr="A screenshot of a computer code&#10;&#10;AI-generated content may be incorrect.">
+            <a:extLst>
+              <a:ext uri="{FF2B5EF4-FFF2-40B4-BE49-F238E27FC236}">
+                <a16:creationId xmlns:a16="http://schemas.microsoft.com/office/drawing/2014/main" id="{0EF5C15E-D1B1-827A-1555-59F25DE49E36}"/>
+              </a:ext>
+            </a:extLst>
+          </p:cNvPr>
+          <p:cNvPicPr>
+            <a:picLocks noChangeAspect="1"/>
+          </p:cNvPicPr>
+          <p:nvPr/>
+        </p:nvPicPr>
+        <p:blipFill>
+          <a:blip r:embed="rId2"/>
+          <a:stretch>
+            <a:fillRect/>
+          </a:stretch>
+        </p:blipFill>
+        <p:spPr>
+          <a:xfrm>
+            <a:off x="7641835" y="584822"/>
+            <a:ext cx="2984267" cy="3429969"/>
+          </a:xfrm>
+          <a:prstGeom prst="rect">
+            <a:avLst/>
+          </a:prstGeom>
+        </p:spPr>
+      </p:pic>
+      <p:pic>
+        <p:nvPicPr>
+          <p:cNvPr id="9" name="Picture 8" descr="A screenshot of a number&#10;&#10;AI-generated content may be incorrect.">
+            <a:extLst>
+              <a:ext uri="{FF2B5EF4-FFF2-40B4-BE49-F238E27FC236}">
+                <a16:creationId xmlns:a16="http://schemas.microsoft.com/office/drawing/2014/main" id="{C4070020-2050-A156-8399-F1D3683A32A2}"/>
+              </a:ext>
+            </a:extLst>
+          </p:cNvPr>
+          <p:cNvPicPr>
+            <a:picLocks noChangeAspect="1"/>
+          </p:cNvPicPr>
+          <p:nvPr/>
+        </p:nvPicPr>
+        <p:blipFill>
+          <a:blip r:embed="rId3"/>
+          <a:stretch>
+            <a:fillRect/>
+          </a:stretch>
+        </p:blipFill>
+        <p:spPr>
+          <a:xfrm>
+            <a:off x="7863840" y="4558193"/>
+            <a:ext cx="3995928" cy="1218271"/>
+          </a:xfrm>
+          <a:prstGeom prst="rect">
+            <a:avLst/>
+          </a:prstGeom>
+        </p:spPr>
+      </p:pic>
     </p:spTree>
     <p:extLst>
       <p:ext uri="{BB962C8B-B14F-4D97-AF65-F5344CB8AC3E}">
-        <p14:creationId xmlns:p14="http://schemas.microsoft.com/office/powerpoint/2010/main" val="3899524068"/>
+        <p14:creationId xmlns:p14="http://schemas.microsoft.com/office/powerpoint/2010/main" val="3152487754"/>
       </p:ext>
     </p:extLst>
   </p:cSld>
@@ -4013,8 +4812,32 @@
               </a:lnSpc>
             </a:pPr>
             <a:r>
+              <a:rPr lang="en-US" u="sng" dirty="0"/>
+              <a:t>CLT + Bootstrapping resulted in:</a:t>
+            </a:r>
+          </a:p>
+          <a:p>
+            <a:pPr marL="0" indent="0">
+              <a:lnSpc>
+                <a:spcPct val="100000"/>
+              </a:lnSpc>
+              <a:buNone/>
+            </a:pPr>
+            <a:r>
               <a:rPr lang="en-US" dirty="0"/>
               <a:t>Observed log‑mean difference ≈ 0.10 → ~10% higher for attack flows </a:t>
+            </a:r>
+          </a:p>
+          <a:p>
+            <a:pPr marL="0" indent="0">
+              <a:lnSpc>
+                <a:spcPct val="100000"/>
+              </a:lnSpc>
+              <a:buNone/>
+            </a:pPr>
+            <a:r>
+              <a:rPr lang="en-US" dirty="0"/>
+              <a:t>Avg time duration of attack packets 10% higher than BENIGN</a:t>
             </a:r>
           </a:p>
           <a:p>
@@ -4025,13 +4848,8 @@
             </a:pPr>
             <a:r>
               <a:rPr lang="en-US" dirty="0"/>
-              <a:t>Implication: this difference could help discriminate flow types(</a:t>
-            </a:r>
-            <a:r>
-              <a:rPr lang="en-US"/>
-              <a:t>either DDoS or BENIGN)</a:t>
-            </a:r>
-            <a:endParaRPr lang="en-US" dirty="0"/>
+              <a:t>Implication: this difference could help discriminate flow types(either DDoS or BENIGN)</a:t>
+            </a:r>
           </a:p>
           <a:p>
             <a:pPr>
@@ -4169,7 +4987,7 @@
           <p:cNvPr id="2" name="Title 1">
             <a:extLst>
               <a:ext uri="{FF2B5EF4-FFF2-40B4-BE49-F238E27FC236}">
-                <a16:creationId xmlns:a16="http://schemas.microsoft.com/office/drawing/2014/main" id="{63D3D04D-D9FC-BE5D-5E80-4C2F1AC447C5}"/>
+                <a16:creationId xmlns:a16="http://schemas.microsoft.com/office/drawing/2014/main" id="{5CCB02F7-D75D-1F2E-5026-3746590FEEF7}"/>
               </a:ext>
             </a:extLst>
           </p:cNvPr>
@@ -4187,7 +5005,7 @@
           <a:p>
             <a:r>
               <a:rPr lang="en-US" dirty="0"/>
-              <a:t>Permutation Test &amp; p‑value</a:t>
+              <a:t>Hypothesis</a:t>
             </a:r>
           </a:p>
         </p:txBody>
@@ -4197,7 +5015,7 @@
           <p:cNvPr id="3" name="Content Placeholder 2">
             <a:extLst>
               <a:ext uri="{FF2B5EF4-FFF2-40B4-BE49-F238E27FC236}">
-                <a16:creationId xmlns:a16="http://schemas.microsoft.com/office/drawing/2014/main" id="{E6035ED1-66E9-4F6A-8B42-EAC176878C9B}"/>
+                <a16:creationId xmlns:a16="http://schemas.microsoft.com/office/drawing/2014/main" id="{6E1EBE27-3917-37FB-B1E2-3EB6ACD1986A}"/>
               </a:ext>
             </a:extLst>
           </p:cNvPr>
@@ -4210,70 +5028,45 @@
         </p:nvSpPr>
         <p:spPr/>
         <p:txBody>
-          <a:bodyPr>
-            <a:normAutofit/>
-          </a:bodyPr>
-          <a:lstStyle/>
-          <a:p>
-            <a:r>
-              <a:rPr lang="en-US" sz="2400" dirty="0"/>
-              <a:t>p‑value (one‑sided) ≈ 0.20%, far below 5% threshold</a:t>
-            </a:r>
-          </a:p>
-          <a:p>
-            <a:r>
-              <a:rPr lang="en-US" sz="2400" dirty="0"/>
-              <a:t>Conclusion: strong evidence </a:t>
-            </a:r>
-          </a:p>
-          <a:p>
-            <a:pPr marL="0" indent="0">
-              <a:buNone/>
+          <a:bodyPr/>
+          <a:lstStyle/>
+          <a:p>
+            <a:pPr>
+              <a:lnSpc>
+                <a:spcPct val="150000"/>
+              </a:lnSpc>
             </a:pPr>
             <a:r>
-              <a:rPr lang="en-US" sz="2400" dirty="0"/>
-              <a:t>labeling matters → reject H₀</a:t>
-            </a:r>
-          </a:p>
-          <a:p>
-            <a:endParaRPr lang="en-US" sz="2400" dirty="0"/>
-          </a:p>
-        </p:txBody>
-      </p:sp>
-      <p:pic>
-        <p:nvPicPr>
-          <p:cNvPr id="12" name="Picture 11" descr="A graph of a number of blue bars&#10;&#10;AI-generated content may be incorrect.">
-            <a:extLst>
-              <a:ext uri="{FF2B5EF4-FFF2-40B4-BE49-F238E27FC236}">
-                <a16:creationId xmlns:a16="http://schemas.microsoft.com/office/drawing/2014/main" id="{60FCC1A8-BE19-4EBF-F44A-3F3872CB1515}"/>
-              </a:ext>
-            </a:extLst>
-          </p:cNvPr>
-          <p:cNvPicPr>
-            <a:picLocks noChangeAspect="1"/>
-          </p:cNvPicPr>
-          <p:nvPr/>
-        </p:nvPicPr>
-        <p:blipFill>
-          <a:blip r:embed="rId2"/>
-          <a:stretch>
-            <a:fillRect/>
-          </a:stretch>
-        </p:blipFill>
-        <p:spPr>
-          <a:xfrm>
-            <a:off x="5375378" y="2260184"/>
-            <a:ext cx="5438775" cy="4333875"/>
-          </a:xfrm>
-          <a:prstGeom prst="rect">
-            <a:avLst/>
-          </a:prstGeom>
-        </p:spPr>
-      </p:pic>
+              <a:rPr lang="en-US" b="1" dirty="0"/>
+              <a:t>Null (H₀)</a:t>
+            </a:r>
+            <a:r>
+              <a:rPr lang="en-US" dirty="0"/>
+              <a:t>: No difference in average flow duration between benign and attack flows (label irrelevant)</a:t>
+            </a:r>
+          </a:p>
+          <a:p>
+            <a:r>
+              <a:rPr lang="en-US" b="1" dirty="0"/>
+              <a:t>Alternative (H₁)</a:t>
+            </a:r>
+            <a:r>
+              <a:rPr lang="en-US" dirty="0"/>
+              <a:t>: Attack flows have higher average flow duration than benign</a:t>
+            </a:r>
+          </a:p>
+          <a:p>
+            <a:r>
+              <a:rPr lang="en-US" dirty="0"/>
+              <a:t>Flow Duration is discriminative</a:t>
+            </a:r>
+          </a:p>
+        </p:txBody>
+      </p:sp>
     </p:spTree>
     <p:extLst>
       <p:ext uri="{BB962C8B-B14F-4D97-AF65-F5344CB8AC3E}">
-        <p14:creationId xmlns:p14="http://schemas.microsoft.com/office/powerpoint/2010/main" val="4056283893"/>
+        <p14:creationId xmlns:p14="http://schemas.microsoft.com/office/powerpoint/2010/main" val="802091894"/>
       </p:ext>
     </p:extLst>
   </p:cSld>
@@ -4286,6 +5079,14 @@
 <file path=ppt/slides/slide9.xml><?xml version="1.0" encoding="utf-8"?>
 <p:sld xmlns:a="http://schemas.openxmlformats.org/drawingml/2006/main" xmlns:r="http://schemas.openxmlformats.org/officeDocument/2006/relationships" xmlns:p="http://schemas.openxmlformats.org/presentationml/2006/main">
   <p:cSld>
+    <p:bg>
+      <p:bgPr>
+        <a:solidFill>
+          <a:schemeClr val="bg1"/>
+        </a:solidFill>
+        <a:effectLst/>
+      </p:bgPr>
+    </p:bg>
     <p:spTree>
       <p:nvGrpSpPr>
         <p:cNvPr id="1" name=""/>
@@ -4305,7 +5106,7 @@
           <p:cNvPr id="2" name="Title 1">
             <a:extLst>
               <a:ext uri="{FF2B5EF4-FFF2-40B4-BE49-F238E27FC236}">
-                <a16:creationId xmlns:a16="http://schemas.microsoft.com/office/drawing/2014/main" id="{057524C5-6E51-6FDA-221D-BEB577566E8C}"/>
+                <a16:creationId xmlns:a16="http://schemas.microsoft.com/office/drawing/2014/main" id="{63D3D04D-D9FC-BE5D-5E80-4C2F1AC447C5}"/>
               </a:ext>
             </a:extLst>
           </p:cNvPr>
@@ -4316,14 +5117,21 @@
             <p:ph type="title"/>
           </p:nvPr>
         </p:nvSpPr>
-        <p:spPr/>
-        <p:txBody>
-          <a:bodyPr/>
-          <a:lstStyle/>
-          <a:p>
-            <a:r>
-              <a:rPr lang="en-US" dirty="0"/>
-              <a:t>Summary</a:t>
+        <p:spPr>
+          <a:xfrm>
+            <a:off x="876693" y="741391"/>
+            <a:ext cx="4597747" cy="1616203"/>
+          </a:xfrm>
+        </p:spPr>
+        <p:txBody>
+          <a:bodyPr anchor="b">
+            <a:normAutofit/>
+          </a:bodyPr>
+          <a:lstStyle/>
+          <a:p>
+            <a:r>
+              <a:rPr lang="en-US" sz="3200"/>
+              <a:t>Permutation Test &amp; p‑value</a:t>
             </a:r>
           </a:p>
         </p:txBody>
@@ -4333,7 +5141,7 @@
           <p:cNvPr id="3" name="Content Placeholder 2">
             <a:extLst>
               <a:ext uri="{FF2B5EF4-FFF2-40B4-BE49-F238E27FC236}">
-                <a16:creationId xmlns:a16="http://schemas.microsoft.com/office/drawing/2014/main" id="{E2D2724D-E9CC-C359-54A6-2014FB4433D1}"/>
+                <a16:creationId xmlns:a16="http://schemas.microsoft.com/office/drawing/2014/main" id="{E6035ED1-66E9-4F6A-8B42-EAC176878C9B}"/>
               </a:ext>
             </a:extLst>
           </p:cNvPr>
@@ -4344,40 +5152,258 @@
             <p:ph idx="1"/>
           </p:nvPr>
         </p:nvSpPr>
-        <p:spPr/>
-        <p:txBody>
-          <a:bodyPr/>
-          <a:lstStyle/>
-          <a:p>
-            <a:r>
-              <a:rPr lang="en-US" dirty="0"/>
-              <a:t>Despite heavy skew in raw data, log‑transform + bootstrapping + permutation test allow robust inference.</a:t>
-            </a:r>
-          </a:p>
-          <a:p>
-            <a:r>
-              <a:rPr lang="en-US" dirty="0"/>
-              <a:t>Attack flows show significantly higher flow duration (≈ 10% on average).</a:t>
-            </a:r>
-          </a:p>
-          <a:p>
-            <a:r>
-              <a:rPr lang="en-US" dirty="0"/>
-              <a:t>Permutation test yields p‑value ≈ 0.002 → statistically significant.</a:t>
-            </a:r>
-          </a:p>
-          <a:p>
-            <a:r>
-              <a:rPr lang="en-US" dirty="0"/>
-              <a:t>Flow Duration is robust and discriminative feature but should be used in combination with others for best results.</a:t>
-            </a:r>
-          </a:p>
-        </p:txBody>
-      </p:sp>
+        <p:spPr>
+          <a:xfrm>
+            <a:off x="876693" y="2533476"/>
+            <a:ext cx="4597746" cy="3447832"/>
+          </a:xfrm>
+        </p:spPr>
+        <p:txBody>
+          <a:bodyPr anchor="t">
+            <a:normAutofit/>
+          </a:bodyPr>
+          <a:lstStyle/>
+          <a:p>
+            <a:r>
+              <a:rPr lang="en-US" sz="2000" dirty="0"/>
+              <a:t>p‑value (one‑sided) ≈ 0.20%, far below than 5% threshold</a:t>
+            </a:r>
+          </a:p>
+          <a:p>
+            <a:r>
+              <a:rPr lang="en-US" sz="2000" dirty="0"/>
+              <a:t>Mean diff under H₀ weren’t as extreme as the observed value</a:t>
+            </a:r>
+          </a:p>
+          <a:p>
+            <a:r>
+              <a:rPr lang="en-US" sz="2000" dirty="0"/>
+              <a:t>Conclusion: strong evidence </a:t>
+            </a:r>
+          </a:p>
+          <a:p>
+            <a:pPr marL="0" indent="0">
+              <a:buNone/>
+            </a:pPr>
+            <a:r>
+              <a:rPr lang="en-US" sz="2000" dirty="0"/>
+              <a:t>labeling matters → reject H₀</a:t>
+            </a:r>
+          </a:p>
+          <a:p>
+            <a:endParaRPr lang="en-US" sz="2000" dirty="0"/>
+          </a:p>
+        </p:txBody>
+      </p:sp>
+      <p:pic>
+        <p:nvPicPr>
+          <p:cNvPr id="12" name="Picture 11" descr="A graph of a number of blue bars&#10;&#10;AI-generated content may be incorrect.">
+            <a:extLst>
+              <a:ext uri="{FF2B5EF4-FFF2-40B4-BE49-F238E27FC236}">
+                <a16:creationId xmlns:a16="http://schemas.microsoft.com/office/drawing/2014/main" id="{60FCC1A8-BE19-4EBF-F44A-3F3872CB1515}"/>
+              </a:ext>
+            </a:extLst>
+          </p:cNvPr>
+          <p:cNvPicPr>
+            <a:picLocks noChangeAspect="1"/>
+          </p:cNvPicPr>
+          <p:nvPr/>
+        </p:nvPicPr>
+        <p:blipFill>
+          <a:blip r:embed="rId2"/>
+          <a:stretch>
+            <a:fillRect/>
+          </a:stretch>
+        </p:blipFill>
+        <p:spPr>
+          <a:xfrm>
+            <a:off x="6096001" y="1270483"/>
+            <a:ext cx="5319062" cy="4241951"/>
+          </a:xfrm>
+          <a:prstGeom prst="rect">
+            <a:avLst/>
+          </a:prstGeom>
+        </p:spPr>
+      </p:pic>
+      <p:grpSp>
+        <p:nvGrpSpPr>
+          <p:cNvPr id="17" name="Group 16">
+            <a:extLst>
+              <a:ext uri="{FF2B5EF4-FFF2-40B4-BE49-F238E27FC236}">
+                <a16:creationId xmlns:a16="http://schemas.microsoft.com/office/drawing/2014/main" id="{1FD67D68-9B83-C338-8342-3348D8F22347}"/>
+              </a:ext>
+              <a:ext uri="{C183D7F6-B498-43B3-948B-1728B52AA6E4}">
+                <adec:decorative xmlns:adec="http://schemas.microsoft.com/office/drawing/2017/decorative" val="1"/>
+              </a:ext>
+            </a:extLst>
+          </p:cNvPr>
+          <p:cNvGrpSpPr>
+            <a:grpSpLocks noGrp="1" noUngrp="1" noRot="1" noChangeAspect="1" noMove="1" noResize="1"/>
+          </p:cNvGrpSpPr>
+          <p:nvPr>
+            <p:extLst>
+              <p:ext uri="{386F3935-93C4-4BCD-93E2-E3B085C9AB24}">
+                <p16:designElem xmlns:p16="http://schemas.microsoft.com/office/powerpoint/2015/main" val="1"/>
+              </p:ext>
+            </p:extLst>
+          </p:nvPr>
+        </p:nvGrpSpPr>
+        <p:grpSpPr>
+          <a:xfrm>
+            <a:off x="-5025" y="6737718"/>
+            <a:ext cx="12207200" cy="123363"/>
+            <a:chOff x="-5025" y="6737718"/>
+            <a:chExt cx="12207200" cy="123363"/>
+          </a:xfrm>
+        </p:grpSpPr>
+        <p:sp>
+          <p:nvSpPr>
+            <p:cNvPr id="18" name="Rectangle 17">
+              <a:extLst>
+                <a:ext uri="{FF2B5EF4-FFF2-40B4-BE49-F238E27FC236}">
+                  <a16:creationId xmlns:a16="http://schemas.microsoft.com/office/drawing/2014/main" id="{1E397F34-6B84-0D3B-0F29-B1D134B3B885}"/>
+                </a:ext>
+                <a:ext uri="{C183D7F6-B498-43B3-948B-1728B52AA6E4}">
+                  <adec:decorative xmlns:adec="http://schemas.microsoft.com/office/drawing/2017/decorative" val="1"/>
+                </a:ext>
+              </a:extLst>
+            </p:cNvPr>
+            <p:cNvSpPr/>
+            <p:nvPr>
+              <p:extLst>
+                <p:ext uri="{386F3935-93C4-4BCD-93E2-E3B085C9AB24}">
+                  <p16:designElem xmlns:p16="http://schemas.microsoft.com/office/powerpoint/2015/main" val="1"/>
+                </p:ext>
+              </p:extLst>
+            </p:nvPr>
+          </p:nvSpPr>
+          <p:spPr>
+            <a:xfrm rot="5400000" flipH="1">
+              <a:off x="6036894" y="695800"/>
+              <a:ext cx="123362" cy="12207199"/>
+            </a:xfrm>
+            <a:prstGeom prst="rect">
+              <a:avLst/>
+            </a:prstGeom>
+            <a:gradFill>
+              <a:gsLst>
+                <a:gs pos="0">
+                  <a:schemeClr val="accent5"/>
+                </a:gs>
+                <a:gs pos="100000">
+                  <a:schemeClr val="accent2"/>
+                </a:gs>
+              </a:gsLst>
+              <a:lin ang="1800000" scaled="0"/>
+            </a:gradFill>
+            <a:ln>
+              <a:noFill/>
+            </a:ln>
+          </p:spPr>
+          <p:style>
+            <a:lnRef idx="2">
+              <a:schemeClr val="accent1">
+                <a:shade val="50000"/>
+              </a:schemeClr>
+            </a:lnRef>
+            <a:fillRef idx="1">
+              <a:schemeClr val="accent1"/>
+            </a:fillRef>
+            <a:effectRef idx="0">
+              <a:schemeClr val="accent1"/>
+            </a:effectRef>
+            <a:fontRef idx="minor">
+              <a:schemeClr val="lt1"/>
+            </a:fontRef>
+          </p:style>
+          <p:txBody>
+            <a:bodyPr rtlCol="0" anchor="ctr"/>
+            <a:lstStyle/>
+            <a:p>
+              <a:pPr algn="ctr"/>
+              <a:endParaRPr lang="en-US"/>
+            </a:p>
+          </p:txBody>
+        </p:sp>
+        <p:sp>
+          <p:nvSpPr>
+            <p:cNvPr id="19" name="Rectangle 18">
+              <a:extLst>
+                <a:ext uri="{FF2B5EF4-FFF2-40B4-BE49-F238E27FC236}">
+                  <a16:creationId xmlns:a16="http://schemas.microsoft.com/office/drawing/2014/main" id="{9BD98075-BFC1-BE9C-7FB7-23FE55E43393}"/>
+                </a:ext>
+                <a:ext uri="{C183D7F6-B498-43B3-948B-1728B52AA6E4}">
+                  <adec:decorative xmlns:adec="http://schemas.microsoft.com/office/drawing/2017/decorative" val="1"/>
+                </a:ext>
+              </a:extLst>
+            </p:cNvPr>
+            <p:cNvSpPr/>
+            <p:nvPr>
+              <p:extLst>
+                <p:ext uri="{386F3935-93C4-4BCD-93E2-E3B085C9AB24}">
+                  <p16:designElem xmlns:p16="http://schemas.microsoft.com/office/powerpoint/2015/main" val="1"/>
+                </p:ext>
+              </p:extLst>
+            </p:nvPr>
+          </p:nvSpPr>
+          <p:spPr>
+            <a:xfrm rot="16200000">
+              <a:off x="9176406" y="3835311"/>
+              <a:ext cx="123362" cy="5928176"/>
+            </a:xfrm>
+            <a:prstGeom prst="rect">
+              <a:avLst/>
+            </a:prstGeom>
+            <a:gradFill>
+              <a:gsLst>
+                <a:gs pos="19000">
+                  <a:schemeClr val="accent5">
+                    <a:alpha val="0"/>
+                  </a:schemeClr>
+                </a:gs>
+                <a:gs pos="100000">
+                  <a:schemeClr val="accent5">
+                    <a:lumMod val="60000"/>
+                    <a:lumOff val="40000"/>
+                  </a:schemeClr>
+                </a:gs>
+              </a:gsLst>
+              <a:lin ang="600000" scaled="0"/>
+            </a:gradFill>
+            <a:ln>
+              <a:noFill/>
+            </a:ln>
+          </p:spPr>
+          <p:style>
+            <a:lnRef idx="2">
+              <a:schemeClr val="accent1">
+                <a:shade val="50000"/>
+              </a:schemeClr>
+            </a:lnRef>
+            <a:fillRef idx="1">
+              <a:schemeClr val="accent1"/>
+            </a:fillRef>
+            <a:effectRef idx="0">
+              <a:schemeClr val="accent1"/>
+            </a:effectRef>
+            <a:fontRef idx="minor">
+              <a:schemeClr val="lt1"/>
+            </a:fontRef>
+          </p:style>
+          <p:txBody>
+            <a:bodyPr rtlCol="0" anchor="ctr"/>
+            <a:lstStyle/>
+            <a:p>
+              <a:pPr algn="ctr"/>
+              <a:endParaRPr lang="en-US"/>
+            </a:p>
+          </p:txBody>
+        </p:sp>
+      </p:grpSp>
     </p:spTree>
     <p:extLst>
       <p:ext uri="{BB962C8B-B14F-4D97-AF65-F5344CB8AC3E}">
-        <p14:creationId xmlns:p14="http://schemas.microsoft.com/office/powerpoint/2010/main" val="3995519289"/>
+        <p14:creationId xmlns:p14="http://schemas.microsoft.com/office/powerpoint/2010/main" val="4056283893"/>
       </p:ext>
     </p:extLst>
   </p:cSld>
